--- a/ppt/day1.pptx
+++ b/ppt/day1.pptx
@@ -5,7 +5,7 @@
     <p:sldMasterId id="2147483648" r:id="rId1"/>
   </p:sldMasterIdLst>
   <p:notesMasterIdLst>
-    <p:notesMasterId r:id="rId37"/>
+    <p:notesMasterId r:id="rId40"/>
   </p:notesMasterIdLst>
   <p:sldIdLst>
     <p:sldId id="256" r:id="rId2"/>
@@ -24,41 +24,44 @@
     <p:sldId id="286" r:id="rId15"/>
     <p:sldId id="287" r:id="rId16"/>
     <p:sldId id="288" r:id="rId17"/>
-    <p:sldId id="299" r:id="rId18"/>
-    <p:sldId id="300" r:id="rId19"/>
-    <p:sldId id="301" r:id="rId20"/>
-    <p:sldId id="290" r:id="rId21"/>
-    <p:sldId id="291" r:id="rId22"/>
-    <p:sldId id="292" r:id="rId23"/>
-    <p:sldId id="293" r:id="rId24"/>
-    <p:sldId id="302" r:id="rId25"/>
-    <p:sldId id="303" r:id="rId26"/>
-    <p:sldId id="304" r:id="rId27"/>
-    <p:sldId id="305" r:id="rId28"/>
-    <p:sldId id="306" r:id="rId29"/>
-    <p:sldId id="307" r:id="rId30"/>
-    <p:sldId id="294" r:id="rId31"/>
-    <p:sldId id="295" r:id="rId32"/>
-    <p:sldId id="308" r:id="rId33"/>
-    <p:sldId id="296" r:id="rId34"/>
-    <p:sldId id="309" r:id="rId35"/>
-    <p:sldId id="283" r:id="rId36"/>
+    <p:sldId id="311" r:id="rId18"/>
+    <p:sldId id="310" r:id="rId19"/>
+    <p:sldId id="299" r:id="rId20"/>
+    <p:sldId id="300" r:id="rId21"/>
+    <p:sldId id="301" r:id="rId22"/>
+    <p:sldId id="290" r:id="rId23"/>
+    <p:sldId id="291" r:id="rId24"/>
+    <p:sldId id="292" r:id="rId25"/>
+    <p:sldId id="293" r:id="rId26"/>
+    <p:sldId id="302" r:id="rId27"/>
+    <p:sldId id="303" r:id="rId28"/>
+    <p:sldId id="304" r:id="rId29"/>
+    <p:sldId id="305" r:id="rId30"/>
+    <p:sldId id="306" r:id="rId31"/>
+    <p:sldId id="307" r:id="rId32"/>
+    <p:sldId id="312" r:id="rId33"/>
+    <p:sldId id="294" r:id="rId34"/>
+    <p:sldId id="295" r:id="rId35"/>
+    <p:sldId id="308" r:id="rId36"/>
+    <p:sldId id="296" r:id="rId37"/>
+    <p:sldId id="309" r:id="rId38"/>
+    <p:sldId id="283" r:id="rId39"/>
   </p:sldIdLst>
   <p:sldSz cx="12192000" cy="6858000"/>
   <p:notesSz cx="6858000" cy="9144000"/>
   <p:embeddedFontLst>
     <p:embeddedFont>
       <p:font typeface="AppleSDGothicNeoR00" panose="020B0600000101010101" charset="-127"/>
-      <p:regular r:id="rId38"/>
+      <p:regular r:id="rId41"/>
     </p:embeddedFont>
     <p:embeddedFont>
       <p:font typeface="AppleSDGothicNeoB00" panose="02000503000000000000" pitchFamily="2" charset="-127"/>
-      <p:regular r:id="rId39"/>
+      <p:regular r:id="rId42"/>
     </p:embeddedFont>
     <p:embeddedFont>
       <p:font typeface="맑은 고딕" panose="020B0503020000020004" pitchFamily="50" charset="-127"/>
-      <p:regular r:id="rId40"/>
-      <p:bold r:id="rId41"/>
+      <p:regular r:id="rId43"/>
+      <p:bold r:id="rId44"/>
     </p:embeddedFont>
   </p:embeddedFontLst>
   <p:defaultTextStyle>
@@ -5112,10 +5115,10 @@
       </p:sp>
       <p:pic>
         <p:nvPicPr>
-          <p:cNvPr id="5" name="그림 4">
+          <p:cNvPr id="6" name="그림 5">
             <a:extLst>
               <a:ext uri="{FF2B5EF4-FFF2-40B4-BE49-F238E27FC236}">
-                <a16:creationId xmlns:a16="http://schemas.microsoft.com/office/drawing/2014/main" id="{9A121B7E-7914-4AAF-AD0D-6458AC96D42B}"/>
+                <a16:creationId xmlns:a16="http://schemas.microsoft.com/office/drawing/2014/main" id="{E20DA5F2-242F-4B7B-B58A-094505E4D849}"/>
               </a:ext>
             </a:extLst>
           </p:cNvPr>
@@ -5132,68 +5135,8 @@
         </p:blipFill>
         <p:spPr>
           <a:xfrm>
-            <a:off x="136497" y="1238371"/>
-            <a:ext cx="4773771" cy="2621529"/>
-          </a:xfrm>
-          <a:prstGeom prst="rect">
-            <a:avLst/>
-          </a:prstGeom>
-        </p:spPr>
-      </p:pic>
-      <p:pic>
-        <p:nvPicPr>
-          <p:cNvPr id="7" name="그림 6">
-            <a:extLst>
-              <a:ext uri="{FF2B5EF4-FFF2-40B4-BE49-F238E27FC236}">
-                <a16:creationId xmlns:a16="http://schemas.microsoft.com/office/drawing/2014/main" id="{C06479C4-1A2F-49CB-B7FD-97368067F773}"/>
-              </a:ext>
-            </a:extLst>
-          </p:cNvPr>
-          <p:cNvPicPr>
-            <a:picLocks noChangeAspect="1"/>
-          </p:cNvPicPr>
-          <p:nvPr/>
-        </p:nvPicPr>
-        <p:blipFill>
-          <a:blip r:embed="rId3"/>
-          <a:stretch>
-            <a:fillRect/>
-          </a:stretch>
-        </p:blipFill>
-        <p:spPr>
-          <a:xfrm>
-            <a:off x="4365869" y="2018537"/>
-            <a:ext cx="5353797" cy="2162477"/>
-          </a:xfrm>
-          <a:prstGeom prst="rect">
-            <a:avLst/>
-          </a:prstGeom>
-        </p:spPr>
-      </p:pic>
-      <p:pic>
-        <p:nvPicPr>
-          <p:cNvPr id="9" name="그림 8">
-            <a:extLst>
-              <a:ext uri="{FF2B5EF4-FFF2-40B4-BE49-F238E27FC236}">
-                <a16:creationId xmlns:a16="http://schemas.microsoft.com/office/drawing/2014/main" id="{D48BA25D-A9D5-45B9-A6AD-A74001F2FDD9}"/>
-              </a:ext>
-            </a:extLst>
-          </p:cNvPr>
-          <p:cNvPicPr>
-            <a:picLocks noChangeAspect="1"/>
-          </p:cNvPicPr>
-          <p:nvPr/>
-        </p:nvPicPr>
-        <p:blipFill>
-          <a:blip r:embed="rId4"/>
-          <a:stretch>
-            <a:fillRect/>
-          </a:stretch>
-        </p:blipFill>
-        <p:spPr>
-          <a:xfrm>
-            <a:off x="4249070" y="4376304"/>
-            <a:ext cx="7335274" cy="1895740"/>
+            <a:off x="1008940" y="1207993"/>
+            <a:ext cx="10174120" cy="5229955"/>
           </a:xfrm>
           <a:prstGeom prst="rect">
             <a:avLst/>
@@ -5203,7 +5146,7 @@
     </p:spTree>
     <p:extLst>
       <p:ext uri="{BB962C8B-B14F-4D97-AF65-F5344CB8AC3E}">
-        <p14:creationId xmlns:p14="http://schemas.microsoft.com/office/powerpoint/2010/main" val="2789611945"/>
+        <p14:creationId xmlns:p14="http://schemas.microsoft.com/office/powerpoint/2010/main" val="2110027904"/>
       </p:ext>
     </p:extLst>
   </p:cSld>
@@ -5307,10 +5250,10 @@
       </p:sp>
       <p:pic>
         <p:nvPicPr>
-          <p:cNvPr id="5" name="그림 4">
+          <p:cNvPr id="6" name="그림 5">
             <a:extLst>
               <a:ext uri="{FF2B5EF4-FFF2-40B4-BE49-F238E27FC236}">
-                <a16:creationId xmlns:a16="http://schemas.microsoft.com/office/drawing/2014/main" id="{9A121B7E-7914-4AAF-AD0D-6458AC96D42B}"/>
+                <a16:creationId xmlns:a16="http://schemas.microsoft.com/office/drawing/2014/main" id="{DC1B0F79-7C59-4FD7-AB58-05E5D9F74360}"/>
               </a:ext>
             </a:extLst>
           </p:cNvPr>
@@ -5327,38 +5270,8 @@
         </p:blipFill>
         <p:spPr>
           <a:xfrm>
-            <a:off x="136497" y="1238371"/>
-            <a:ext cx="4773771" cy="2621529"/>
-          </a:xfrm>
-          <a:prstGeom prst="rect">
-            <a:avLst/>
-          </a:prstGeom>
-        </p:spPr>
-      </p:pic>
-      <p:pic>
-        <p:nvPicPr>
-          <p:cNvPr id="6" name="그림 5">
-            <a:extLst>
-              <a:ext uri="{FF2B5EF4-FFF2-40B4-BE49-F238E27FC236}">
-                <a16:creationId xmlns:a16="http://schemas.microsoft.com/office/drawing/2014/main" id="{AF72A8A1-3BCD-4756-870A-BA3E743AAE19}"/>
-              </a:ext>
-            </a:extLst>
-          </p:cNvPr>
-          <p:cNvPicPr>
-            <a:picLocks noChangeAspect="1"/>
-          </p:cNvPicPr>
-          <p:nvPr/>
-        </p:nvPicPr>
-        <p:blipFill>
-          <a:blip r:embed="rId3"/>
-          <a:stretch>
-            <a:fillRect/>
-          </a:stretch>
-        </p:blipFill>
-        <p:spPr>
-          <a:xfrm>
-            <a:off x="4235816" y="2117642"/>
-            <a:ext cx="6477904" cy="2800741"/>
+            <a:off x="2199638" y="1155203"/>
+            <a:ext cx="7792722" cy="5384498"/>
           </a:xfrm>
           <a:prstGeom prst="rect">
             <a:avLst/>
@@ -5368,7 +5281,7 @@
     </p:spTree>
     <p:extLst>
       <p:ext uri="{BB962C8B-B14F-4D97-AF65-F5344CB8AC3E}">
-        <p14:creationId xmlns:p14="http://schemas.microsoft.com/office/powerpoint/2010/main" val="3655252245"/>
+        <p14:creationId xmlns:p14="http://schemas.microsoft.com/office/powerpoint/2010/main" val="755835957"/>
       </p:ext>
     </p:extLst>
   </p:cSld>
@@ -5502,10 +5415,10 @@
       </p:pic>
       <p:pic>
         <p:nvPicPr>
-          <p:cNvPr id="10" name="그림 9">
+          <p:cNvPr id="7" name="그림 6">
             <a:extLst>
               <a:ext uri="{FF2B5EF4-FFF2-40B4-BE49-F238E27FC236}">
-                <a16:creationId xmlns:a16="http://schemas.microsoft.com/office/drawing/2014/main" id="{3BA6DEBC-4890-480B-95C6-446BB4C4156C}"/>
+                <a16:creationId xmlns:a16="http://schemas.microsoft.com/office/drawing/2014/main" id="{C06479C4-1A2F-49CB-B7FD-97368067F773}"/>
               </a:ext>
             </a:extLst>
           </p:cNvPr>
@@ -5522,8 +5435,38 @@
         </p:blipFill>
         <p:spPr>
           <a:xfrm>
-            <a:off x="3513809" y="2024221"/>
-            <a:ext cx="8287907" cy="4515480"/>
+            <a:off x="4365869" y="2018537"/>
+            <a:ext cx="5353797" cy="2162477"/>
+          </a:xfrm>
+          <a:prstGeom prst="rect">
+            <a:avLst/>
+          </a:prstGeom>
+        </p:spPr>
+      </p:pic>
+      <p:pic>
+        <p:nvPicPr>
+          <p:cNvPr id="9" name="그림 8">
+            <a:extLst>
+              <a:ext uri="{FF2B5EF4-FFF2-40B4-BE49-F238E27FC236}">
+                <a16:creationId xmlns:a16="http://schemas.microsoft.com/office/drawing/2014/main" id="{D48BA25D-A9D5-45B9-A6AD-A74001F2FDD9}"/>
+              </a:ext>
+            </a:extLst>
+          </p:cNvPr>
+          <p:cNvPicPr>
+            <a:picLocks noChangeAspect="1"/>
+          </p:cNvPicPr>
+          <p:nvPr/>
+        </p:nvPicPr>
+        <p:blipFill>
+          <a:blip r:embed="rId4"/>
+          <a:stretch>
+            <a:fillRect/>
+          </a:stretch>
+        </p:blipFill>
+        <p:spPr>
+          <a:xfrm>
+            <a:off x="4249070" y="4376304"/>
+            <a:ext cx="7335274" cy="1895740"/>
           </a:xfrm>
           <a:prstGeom prst="rect">
             <a:avLst/>
@@ -5533,7 +5476,7 @@
     </p:spTree>
     <p:extLst>
       <p:ext uri="{BB962C8B-B14F-4D97-AF65-F5344CB8AC3E}">
-        <p14:creationId xmlns:p14="http://schemas.microsoft.com/office/powerpoint/2010/main" val="111743841"/>
+        <p14:creationId xmlns:p14="http://schemas.microsoft.com/office/powerpoint/2010/main" val="2789611945"/>
       </p:ext>
     </p:extLst>
   </p:cSld>
@@ -5851,6 +5794,336 @@
           <p:cNvPr id="5" name="그림 4">
             <a:extLst>
               <a:ext uri="{FF2B5EF4-FFF2-40B4-BE49-F238E27FC236}">
+                <a16:creationId xmlns:a16="http://schemas.microsoft.com/office/drawing/2014/main" id="{9A121B7E-7914-4AAF-AD0D-6458AC96D42B}"/>
+              </a:ext>
+            </a:extLst>
+          </p:cNvPr>
+          <p:cNvPicPr>
+            <a:picLocks noChangeAspect="1"/>
+          </p:cNvPicPr>
+          <p:nvPr/>
+        </p:nvPicPr>
+        <p:blipFill>
+          <a:blip r:embed="rId2"/>
+          <a:stretch>
+            <a:fillRect/>
+          </a:stretch>
+        </p:blipFill>
+        <p:spPr>
+          <a:xfrm>
+            <a:off x="136497" y="1238371"/>
+            <a:ext cx="4773771" cy="2621529"/>
+          </a:xfrm>
+          <a:prstGeom prst="rect">
+            <a:avLst/>
+          </a:prstGeom>
+        </p:spPr>
+      </p:pic>
+      <p:pic>
+        <p:nvPicPr>
+          <p:cNvPr id="6" name="그림 5">
+            <a:extLst>
+              <a:ext uri="{FF2B5EF4-FFF2-40B4-BE49-F238E27FC236}">
+                <a16:creationId xmlns:a16="http://schemas.microsoft.com/office/drawing/2014/main" id="{AF72A8A1-3BCD-4756-870A-BA3E743AAE19}"/>
+              </a:ext>
+            </a:extLst>
+          </p:cNvPr>
+          <p:cNvPicPr>
+            <a:picLocks noChangeAspect="1"/>
+          </p:cNvPicPr>
+          <p:nvPr/>
+        </p:nvPicPr>
+        <p:blipFill>
+          <a:blip r:embed="rId3"/>
+          <a:stretch>
+            <a:fillRect/>
+          </a:stretch>
+        </p:blipFill>
+        <p:spPr>
+          <a:xfrm>
+            <a:off x="4235816" y="2117642"/>
+            <a:ext cx="6477904" cy="2800741"/>
+          </a:xfrm>
+          <a:prstGeom prst="rect">
+            <a:avLst/>
+          </a:prstGeom>
+        </p:spPr>
+      </p:pic>
+    </p:spTree>
+    <p:extLst>
+      <p:ext uri="{BB962C8B-B14F-4D97-AF65-F5344CB8AC3E}">
+        <p14:creationId xmlns:p14="http://schemas.microsoft.com/office/powerpoint/2010/main" val="3655252245"/>
+      </p:ext>
+    </p:extLst>
+  </p:cSld>
+  <p:clrMapOvr>
+    <a:masterClrMapping/>
+  </p:clrMapOvr>
+  <mc:AlternateContent xmlns:mc="http://schemas.openxmlformats.org/markup-compatibility/2006" xmlns:p14="http://schemas.microsoft.com/office/powerpoint/2010/main">
+    <mc:Choice Requires="p14">
+      <p:transition p14:dur="200">
+        <p:fade/>
+      </p:transition>
+    </mc:Choice>
+    <mc:Fallback xmlns="">
+      <p:transition>
+        <p:fade/>
+      </p:transition>
+    </mc:Fallback>
+  </mc:AlternateContent>
+</p:sld>
+</file>
+
+<file path=ppt/slides/slide21.xml><?xml version="1.0" encoding="utf-8"?>
+<p:sld xmlns:a="http://schemas.openxmlformats.org/drawingml/2006/main" xmlns:r="http://schemas.openxmlformats.org/officeDocument/2006/relationships" xmlns:p="http://schemas.openxmlformats.org/presentationml/2006/main">
+  <p:cSld>
+    <p:spTree>
+      <p:nvGrpSpPr>
+        <p:cNvPr id="1" name=""/>
+        <p:cNvGrpSpPr/>
+        <p:nvPr/>
+      </p:nvGrpSpPr>
+      <p:grpSpPr>
+        <a:xfrm>
+          <a:off x="0" y="0"/>
+          <a:ext cx="0" cy="0"/>
+          <a:chOff x="0" y="0"/>
+          <a:chExt cx="0" cy="0"/>
+        </a:xfrm>
+      </p:grpSpPr>
+      <p:sp>
+        <p:nvSpPr>
+          <p:cNvPr id="2" name="제목 1">
+            <a:extLst>
+              <a:ext uri="{FF2B5EF4-FFF2-40B4-BE49-F238E27FC236}">
+                <a16:creationId xmlns:a16="http://schemas.microsoft.com/office/drawing/2014/main" id="{2A04D761-40C9-4AE9-A160-17E93045CBC6}"/>
+              </a:ext>
+            </a:extLst>
+          </p:cNvPr>
+          <p:cNvSpPr>
+            <a:spLocks noGrp="1"/>
+          </p:cNvSpPr>
+          <p:nvPr>
+            <p:ph type="title"/>
+          </p:nvPr>
+        </p:nvSpPr>
+        <p:spPr/>
+        <p:txBody>
+          <a:bodyPr/>
+          <a:lstStyle/>
+          <a:p>
+            <a:r>
+              <a:rPr lang="en-US" altLang="ko-KR" dirty="0" err="1"/>
+              <a:t>PyTorch</a:t>
+            </a:r>
+            <a:r>
+              <a:rPr lang="en-US" altLang="ko-KR" dirty="0"/>
+              <a:t> Tutorial</a:t>
+            </a:r>
+            <a:endParaRPr lang="ko-KR" altLang="en-US" dirty="0"/>
+          </a:p>
+        </p:txBody>
+      </p:sp>
+      <p:sp>
+        <p:nvSpPr>
+          <p:cNvPr id="4" name="슬라이드 번호 개체 틀 3">
+            <a:extLst>
+              <a:ext uri="{FF2B5EF4-FFF2-40B4-BE49-F238E27FC236}">
+                <a16:creationId xmlns:a16="http://schemas.microsoft.com/office/drawing/2014/main" id="{A7C0D252-E3BF-43C6-810F-60ED8921A10E}"/>
+              </a:ext>
+            </a:extLst>
+          </p:cNvPr>
+          <p:cNvSpPr>
+            <a:spLocks noGrp="1"/>
+          </p:cNvSpPr>
+          <p:nvPr>
+            <p:ph type="sldNum" sz="quarter" idx="12"/>
+          </p:nvPr>
+        </p:nvSpPr>
+        <p:spPr/>
+        <p:txBody>
+          <a:bodyPr/>
+          <a:lstStyle/>
+          <a:p>
+            <a:fld id="{5DB5872C-6CDA-4AA3-A73B-F057AF95E802}" type="slidenum">
+              <a:rPr lang="ko-KR" altLang="en-US" smtClean="0"/>
+              <a:pPr/>
+              <a:t>21</a:t>
+            </a:fld>
+            <a:endParaRPr lang="ko-KR" altLang="en-US" dirty="0"/>
+          </a:p>
+        </p:txBody>
+      </p:sp>
+      <p:pic>
+        <p:nvPicPr>
+          <p:cNvPr id="5" name="그림 4">
+            <a:extLst>
+              <a:ext uri="{FF2B5EF4-FFF2-40B4-BE49-F238E27FC236}">
+                <a16:creationId xmlns:a16="http://schemas.microsoft.com/office/drawing/2014/main" id="{9A121B7E-7914-4AAF-AD0D-6458AC96D42B}"/>
+              </a:ext>
+            </a:extLst>
+          </p:cNvPr>
+          <p:cNvPicPr>
+            <a:picLocks noChangeAspect="1"/>
+          </p:cNvPicPr>
+          <p:nvPr/>
+        </p:nvPicPr>
+        <p:blipFill>
+          <a:blip r:embed="rId2"/>
+          <a:stretch>
+            <a:fillRect/>
+          </a:stretch>
+        </p:blipFill>
+        <p:spPr>
+          <a:xfrm>
+            <a:off x="136497" y="1238371"/>
+            <a:ext cx="4773771" cy="2621529"/>
+          </a:xfrm>
+          <a:prstGeom prst="rect">
+            <a:avLst/>
+          </a:prstGeom>
+        </p:spPr>
+      </p:pic>
+      <p:pic>
+        <p:nvPicPr>
+          <p:cNvPr id="10" name="그림 9">
+            <a:extLst>
+              <a:ext uri="{FF2B5EF4-FFF2-40B4-BE49-F238E27FC236}">
+                <a16:creationId xmlns:a16="http://schemas.microsoft.com/office/drawing/2014/main" id="{3BA6DEBC-4890-480B-95C6-446BB4C4156C}"/>
+              </a:ext>
+            </a:extLst>
+          </p:cNvPr>
+          <p:cNvPicPr>
+            <a:picLocks noChangeAspect="1"/>
+          </p:cNvPicPr>
+          <p:nvPr/>
+        </p:nvPicPr>
+        <p:blipFill>
+          <a:blip r:embed="rId3"/>
+          <a:stretch>
+            <a:fillRect/>
+          </a:stretch>
+        </p:blipFill>
+        <p:spPr>
+          <a:xfrm>
+            <a:off x="3513809" y="2024221"/>
+            <a:ext cx="8287907" cy="4515480"/>
+          </a:xfrm>
+          <a:prstGeom prst="rect">
+            <a:avLst/>
+          </a:prstGeom>
+        </p:spPr>
+      </p:pic>
+    </p:spTree>
+    <p:extLst>
+      <p:ext uri="{BB962C8B-B14F-4D97-AF65-F5344CB8AC3E}">
+        <p14:creationId xmlns:p14="http://schemas.microsoft.com/office/powerpoint/2010/main" val="111743841"/>
+      </p:ext>
+    </p:extLst>
+  </p:cSld>
+  <p:clrMapOvr>
+    <a:masterClrMapping/>
+  </p:clrMapOvr>
+  <mc:AlternateContent xmlns:mc="http://schemas.openxmlformats.org/markup-compatibility/2006" xmlns:p14="http://schemas.microsoft.com/office/powerpoint/2010/main">
+    <mc:Choice Requires="p14">
+      <p:transition p14:dur="200">
+        <p:fade/>
+      </p:transition>
+    </mc:Choice>
+    <mc:Fallback xmlns="">
+      <p:transition>
+        <p:fade/>
+      </p:transition>
+    </mc:Fallback>
+  </mc:AlternateContent>
+</p:sld>
+</file>
+
+<file path=ppt/slides/slide22.xml><?xml version="1.0" encoding="utf-8"?>
+<p:sld xmlns:a="http://schemas.openxmlformats.org/drawingml/2006/main" xmlns:r="http://schemas.openxmlformats.org/officeDocument/2006/relationships" xmlns:p="http://schemas.openxmlformats.org/presentationml/2006/main">
+  <p:cSld>
+    <p:spTree>
+      <p:nvGrpSpPr>
+        <p:cNvPr id="1" name=""/>
+        <p:cNvGrpSpPr/>
+        <p:nvPr/>
+      </p:nvGrpSpPr>
+      <p:grpSpPr>
+        <a:xfrm>
+          <a:off x="0" y="0"/>
+          <a:ext cx="0" cy="0"/>
+          <a:chOff x="0" y="0"/>
+          <a:chExt cx="0" cy="0"/>
+        </a:xfrm>
+      </p:grpSpPr>
+      <p:sp>
+        <p:nvSpPr>
+          <p:cNvPr id="2" name="제목 1">
+            <a:extLst>
+              <a:ext uri="{FF2B5EF4-FFF2-40B4-BE49-F238E27FC236}">
+                <a16:creationId xmlns:a16="http://schemas.microsoft.com/office/drawing/2014/main" id="{2A04D761-40C9-4AE9-A160-17E93045CBC6}"/>
+              </a:ext>
+            </a:extLst>
+          </p:cNvPr>
+          <p:cNvSpPr>
+            <a:spLocks noGrp="1"/>
+          </p:cNvSpPr>
+          <p:nvPr>
+            <p:ph type="title"/>
+          </p:nvPr>
+        </p:nvSpPr>
+        <p:spPr/>
+        <p:txBody>
+          <a:bodyPr/>
+          <a:lstStyle/>
+          <a:p>
+            <a:r>
+              <a:rPr lang="en-US" altLang="ko-KR" dirty="0" err="1"/>
+              <a:t>PyTorch</a:t>
+            </a:r>
+            <a:r>
+              <a:rPr lang="en-US" altLang="ko-KR" dirty="0"/>
+              <a:t> Tutorial</a:t>
+            </a:r>
+            <a:endParaRPr lang="ko-KR" altLang="en-US" dirty="0"/>
+          </a:p>
+        </p:txBody>
+      </p:sp>
+      <p:sp>
+        <p:nvSpPr>
+          <p:cNvPr id="4" name="슬라이드 번호 개체 틀 3">
+            <a:extLst>
+              <a:ext uri="{FF2B5EF4-FFF2-40B4-BE49-F238E27FC236}">
+                <a16:creationId xmlns:a16="http://schemas.microsoft.com/office/drawing/2014/main" id="{A7C0D252-E3BF-43C6-810F-60ED8921A10E}"/>
+              </a:ext>
+            </a:extLst>
+          </p:cNvPr>
+          <p:cNvSpPr>
+            <a:spLocks noGrp="1"/>
+          </p:cNvSpPr>
+          <p:nvPr>
+            <p:ph type="sldNum" sz="quarter" idx="12"/>
+          </p:nvPr>
+        </p:nvSpPr>
+        <p:spPr/>
+        <p:txBody>
+          <a:bodyPr/>
+          <a:lstStyle/>
+          <a:p>
+            <a:fld id="{5DB5872C-6CDA-4AA3-A73B-F057AF95E802}" type="slidenum">
+              <a:rPr lang="ko-KR" altLang="en-US" smtClean="0"/>
+              <a:pPr/>
+              <a:t>22</a:t>
+            </a:fld>
+            <a:endParaRPr lang="ko-KR" altLang="en-US" dirty="0"/>
+          </a:p>
+        </p:txBody>
+      </p:sp>
+      <p:pic>
+        <p:nvPicPr>
+          <p:cNvPr id="5" name="그림 4">
+            <a:extLst>
+              <a:ext uri="{FF2B5EF4-FFF2-40B4-BE49-F238E27FC236}">
                 <a16:creationId xmlns:a16="http://schemas.microsoft.com/office/drawing/2014/main" id="{8D32DAFD-56A3-4F1E-8CFF-B1570C689884}"/>
               </a:ext>
             </a:extLst>
@@ -5948,7 +6221,7 @@
 </p:sld>
 </file>
 
-<file path=ppt/slides/slide21.xml><?xml version="1.0" encoding="utf-8"?>
+<file path=ppt/slides/slide23.xml><?xml version="1.0" encoding="utf-8"?>
 <p:sld xmlns:a="http://schemas.openxmlformats.org/drawingml/2006/main" xmlns:r="http://schemas.openxmlformats.org/officeDocument/2006/relationships" xmlns:p="http://schemas.openxmlformats.org/presentationml/2006/main">
   <p:cSld>
     <p:spTree>
@@ -6022,7 +6295,7 @@
             <a:fld id="{5DB5872C-6CDA-4AA3-A73B-F057AF95E802}" type="slidenum">
               <a:rPr lang="ko-KR" altLang="en-US" smtClean="0"/>
               <a:pPr/>
-              <a:t>21</a:t>
+              <a:t>23</a:t>
             </a:fld>
             <a:endParaRPr lang="ko-KR" altLang="en-US" dirty="0"/>
           </a:p>
@@ -6083,7 +6356,7 @@
 </p:sld>
 </file>
 
-<file path=ppt/slides/slide22.xml><?xml version="1.0" encoding="utf-8"?>
+<file path=ppt/slides/slide24.xml><?xml version="1.0" encoding="utf-8"?>
 <p:sld xmlns:a="http://schemas.openxmlformats.org/drawingml/2006/main" xmlns:r="http://schemas.openxmlformats.org/officeDocument/2006/relationships" xmlns:p="http://schemas.openxmlformats.org/presentationml/2006/main">
   <p:cSld>
     <p:spTree>
@@ -6157,7 +6430,7 @@
             <a:fld id="{5DB5872C-6CDA-4AA3-A73B-F057AF95E802}" type="slidenum">
               <a:rPr lang="ko-KR" altLang="en-US" smtClean="0"/>
               <a:pPr/>
-              <a:t>22</a:t>
+              <a:t>24</a:t>
             </a:fld>
             <a:endParaRPr lang="ko-KR" altLang="en-US" dirty="0"/>
           </a:p>
@@ -6869,7 +7142,7 @@
 </p:sld>
 </file>
 
-<file path=ppt/slides/slide23.xml><?xml version="1.0" encoding="utf-8"?>
+<file path=ppt/slides/slide25.xml><?xml version="1.0" encoding="utf-8"?>
 <p:sld xmlns:a="http://schemas.openxmlformats.org/drawingml/2006/main" xmlns:r="http://schemas.openxmlformats.org/officeDocument/2006/relationships" xmlns:p="http://schemas.openxmlformats.org/presentationml/2006/main">
   <p:cSld>
     <p:spTree>
@@ -6943,7 +7216,7 @@
             <a:fld id="{5DB5872C-6CDA-4AA3-A73B-F057AF95E802}" type="slidenum">
               <a:rPr lang="ko-KR" altLang="en-US" smtClean="0"/>
               <a:pPr/>
-              <a:t>23</a:t>
+              <a:t>25</a:t>
             </a:fld>
             <a:endParaRPr lang="ko-KR" altLang="en-US" dirty="0"/>
           </a:p>
@@ -7004,7 +7277,7 @@
 </p:sld>
 </file>
 
-<file path=ppt/slides/slide24.xml><?xml version="1.0" encoding="utf-8"?>
+<file path=ppt/slides/slide26.xml><?xml version="1.0" encoding="utf-8"?>
 <p:sld xmlns:a="http://schemas.openxmlformats.org/drawingml/2006/main" xmlns:r="http://schemas.openxmlformats.org/officeDocument/2006/relationships" xmlns:p="http://schemas.openxmlformats.org/presentationml/2006/main">
   <p:cSld>
     <p:spTree>
@@ -7078,7 +7351,7 @@
             <a:fld id="{5DB5872C-6CDA-4AA3-A73B-F057AF95E802}" type="slidenum">
               <a:rPr lang="ko-KR" altLang="en-US" smtClean="0"/>
               <a:pPr/>
-              <a:t>24</a:t>
+              <a:t>26</a:t>
             </a:fld>
             <a:endParaRPr lang="ko-KR" altLang="en-US" dirty="0"/>
           </a:p>
@@ -7211,7 +7484,7 @@
 </p:sld>
 </file>
 
-<file path=ppt/slides/slide25.xml><?xml version="1.0" encoding="utf-8"?>
+<file path=ppt/slides/slide27.xml><?xml version="1.0" encoding="utf-8"?>
 <p:sld xmlns:a="http://schemas.openxmlformats.org/drawingml/2006/main" xmlns:r="http://schemas.openxmlformats.org/officeDocument/2006/relationships" xmlns:p="http://schemas.openxmlformats.org/presentationml/2006/main">
   <p:cSld>
     <p:spTree>
@@ -7285,7 +7558,7 @@
             <a:fld id="{5DB5872C-6CDA-4AA3-A73B-F057AF95E802}" type="slidenum">
               <a:rPr lang="ko-KR" altLang="en-US" smtClean="0"/>
               <a:pPr/>
-              <a:t>25</a:t>
+              <a:t>27</a:t>
             </a:fld>
             <a:endParaRPr lang="ko-KR" altLang="en-US" dirty="0"/>
           </a:p>
@@ -7538,7 +7811,7 @@
 </p:sld>
 </file>
 
-<file path=ppt/slides/slide26.xml><?xml version="1.0" encoding="utf-8"?>
+<file path=ppt/slides/slide28.xml><?xml version="1.0" encoding="utf-8"?>
 <p:sld xmlns:a="http://schemas.openxmlformats.org/drawingml/2006/main" xmlns:r="http://schemas.openxmlformats.org/officeDocument/2006/relationships" xmlns:p="http://schemas.openxmlformats.org/presentationml/2006/main">
   <p:cSld>
     <p:spTree>
@@ -7612,7 +7885,7 @@
             <a:fld id="{5DB5872C-6CDA-4AA3-A73B-F057AF95E802}" type="slidenum">
               <a:rPr lang="ko-KR" altLang="en-US" smtClean="0"/>
               <a:pPr/>
-              <a:t>26</a:t>
+              <a:t>28</a:t>
             </a:fld>
             <a:endParaRPr lang="ko-KR" altLang="en-US" dirty="0"/>
           </a:p>
@@ -7673,7 +7946,7 @@
 </p:sld>
 </file>
 
-<file path=ppt/slides/slide27.xml><?xml version="1.0" encoding="utf-8"?>
+<file path=ppt/slides/slide29.xml><?xml version="1.0" encoding="utf-8"?>
 <p:sld xmlns:a="http://schemas.openxmlformats.org/drawingml/2006/main" xmlns:r="http://schemas.openxmlformats.org/officeDocument/2006/relationships" xmlns:p="http://schemas.openxmlformats.org/presentationml/2006/main">
   <p:cSld>
     <p:spTree>
@@ -7747,7 +8020,7 @@
             <a:fld id="{5DB5872C-6CDA-4AA3-A73B-F057AF95E802}" type="slidenum">
               <a:rPr lang="ko-KR" altLang="en-US" smtClean="0"/>
               <a:pPr/>
-              <a:t>27</a:t>
+              <a:t>29</a:t>
             </a:fld>
             <a:endParaRPr lang="ko-KR" altLang="en-US" dirty="0"/>
           </a:p>
@@ -7817,336 +8090,6 @@
     <p:extLst>
       <p:ext uri="{BB962C8B-B14F-4D97-AF65-F5344CB8AC3E}">
         <p14:creationId xmlns:p14="http://schemas.microsoft.com/office/powerpoint/2010/main" val="3713685138"/>
-      </p:ext>
-    </p:extLst>
-  </p:cSld>
-  <p:clrMapOvr>
-    <a:masterClrMapping/>
-  </p:clrMapOvr>
-  <mc:AlternateContent xmlns:mc="http://schemas.openxmlformats.org/markup-compatibility/2006" xmlns:p14="http://schemas.microsoft.com/office/powerpoint/2010/main">
-    <mc:Choice Requires="p14">
-      <p:transition p14:dur="200">
-        <p:fade/>
-      </p:transition>
-    </mc:Choice>
-    <mc:Fallback xmlns="">
-      <p:transition>
-        <p:fade/>
-      </p:transition>
-    </mc:Fallback>
-  </mc:AlternateContent>
-</p:sld>
-</file>
-
-<file path=ppt/slides/slide28.xml><?xml version="1.0" encoding="utf-8"?>
-<p:sld xmlns:a="http://schemas.openxmlformats.org/drawingml/2006/main" xmlns:r="http://schemas.openxmlformats.org/officeDocument/2006/relationships" xmlns:p="http://schemas.openxmlformats.org/presentationml/2006/main">
-  <p:cSld>
-    <p:spTree>
-      <p:nvGrpSpPr>
-        <p:cNvPr id="1" name=""/>
-        <p:cNvGrpSpPr/>
-        <p:nvPr/>
-      </p:nvGrpSpPr>
-      <p:grpSpPr>
-        <a:xfrm>
-          <a:off x="0" y="0"/>
-          <a:ext cx="0" cy="0"/>
-          <a:chOff x="0" y="0"/>
-          <a:chExt cx="0" cy="0"/>
-        </a:xfrm>
-      </p:grpSpPr>
-      <p:sp>
-        <p:nvSpPr>
-          <p:cNvPr id="2" name="제목 1">
-            <a:extLst>
-              <a:ext uri="{FF2B5EF4-FFF2-40B4-BE49-F238E27FC236}">
-                <a16:creationId xmlns:a16="http://schemas.microsoft.com/office/drawing/2014/main" id="{2A04D761-40C9-4AE9-A160-17E93045CBC6}"/>
-              </a:ext>
-            </a:extLst>
-          </p:cNvPr>
-          <p:cNvSpPr>
-            <a:spLocks noGrp="1"/>
-          </p:cNvSpPr>
-          <p:nvPr>
-            <p:ph type="title"/>
-          </p:nvPr>
-        </p:nvSpPr>
-        <p:spPr/>
-        <p:txBody>
-          <a:bodyPr/>
-          <a:lstStyle/>
-          <a:p>
-            <a:r>
-              <a:rPr lang="en-US" altLang="ko-KR" dirty="0" err="1"/>
-              <a:t>PyTorch</a:t>
-            </a:r>
-            <a:r>
-              <a:rPr lang="en-US" altLang="ko-KR" dirty="0"/>
-              <a:t> Tutorial</a:t>
-            </a:r>
-            <a:endParaRPr lang="ko-KR" altLang="en-US" dirty="0"/>
-          </a:p>
-        </p:txBody>
-      </p:sp>
-      <p:sp>
-        <p:nvSpPr>
-          <p:cNvPr id="4" name="슬라이드 번호 개체 틀 3">
-            <a:extLst>
-              <a:ext uri="{FF2B5EF4-FFF2-40B4-BE49-F238E27FC236}">
-                <a16:creationId xmlns:a16="http://schemas.microsoft.com/office/drawing/2014/main" id="{A7C0D252-E3BF-43C6-810F-60ED8921A10E}"/>
-              </a:ext>
-            </a:extLst>
-          </p:cNvPr>
-          <p:cNvSpPr>
-            <a:spLocks noGrp="1"/>
-          </p:cNvSpPr>
-          <p:nvPr>
-            <p:ph type="sldNum" sz="quarter" idx="12"/>
-          </p:nvPr>
-        </p:nvSpPr>
-        <p:spPr/>
-        <p:txBody>
-          <a:bodyPr/>
-          <a:lstStyle/>
-          <a:p>
-            <a:fld id="{5DB5872C-6CDA-4AA3-A73B-F057AF95E802}" type="slidenum">
-              <a:rPr lang="ko-KR" altLang="en-US" smtClean="0"/>
-              <a:pPr/>
-              <a:t>28</a:t>
-            </a:fld>
-            <a:endParaRPr lang="ko-KR" altLang="en-US" dirty="0"/>
-          </a:p>
-        </p:txBody>
-      </p:sp>
-      <p:pic>
-        <p:nvPicPr>
-          <p:cNvPr id="5" name="그림 4">
-            <a:extLst>
-              <a:ext uri="{FF2B5EF4-FFF2-40B4-BE49-F238E27FC236}">
-                <a16:creationId xmlns:a16="http://schemas.microsoft.com/office/drawing/2014/main" id="{616BCD14-43DB-4DCA-8EA2-EA8A20CAE7EC}"/>
-              </a:ext>
-            </a:extLst>
-          </p:cNvPr>
-          <p:cNvPicPr>
-            <a:picLocks noChangeAspect="1"/>
-          </p:cNvPicPr>
-          <p:nvPr/>
-        </p:nvPicPr>
-        <p:blipFill>
-          <a:blip r:embed="rId2"/>
-          <a:stretch>
-            <a:fillRect/>
-          </a:stretch>
-        </p:blipFill>
-        <p:spPr>
-          <a:xfrm>
-            <a:off x="784926" y="1134440"/>
-            <a:ext cx="3641417" cy="5602180"/>
-          </a:xfrm>
-          <a:prstGeom prst="rect">
-            <a:avLst/>
-          </a:prstGeom>
-        </p:spPr>
-      </p:pic>
-      <p:pic>
-        <p:nvPicPr>
-          <p:cNvPr id="7" name="그림 6">
-            <a:extLst>
-              <a:ext uri="{FF2B5EF4-FFF2-40B4-BE49-F238E27FC236}">
-                <a16:creationId xmlns:a16="http://schemas.microsoft.com/office/drawing/2014/main" id="{33BDBD26-620E-4A70-8354-86C8D140CA09}"/>
-              </a:ext>
-            </a:extLst>
-          </p:cNvPr>
-          <p:cNvPicPr>
-            <a:picLocks noChangeAspect="1"/>
-          </p:cNvPicPr>
-          <p:nvPr/>
-        </p:nvPicPr>
-        <p:blipFill>
-          <a:blip r:embed="rId3"/>
-          <a:stretch>
-            <a:fillRect/>
-          </a:stretch>
-        </p:blipFill>
-        <p:spPr>
-          <a:xfrm>
-            <a:off x="4758116" y="2761867"/>
-            <a:ext cx="7212258" cy="1710851"/>
-          </a:xfrm>
-          <a:prstGeom prst="rect">
-            <a:avLst/>
-          </a:prstGeom>
-        </p:spPr>
-      </p:pic>
-    </p:spTree>
-    <p:extLst>
-      <p:ext uri="{BB962C8B-B14F-4D97-AF65-F5344CB8AC3E}">
-        <p14:creationId xmlns:p14="http://schemas.microsoft.com/office/powerpoint/2010/main" val="3830586054"/>
-      </p:ext>
-    </p:extLst>
-  </p:cSld>
-  <p:clrMapOvr>
-    <a:masterClrMapping/>
-  </p:clrMapOvr>
-  <mc:AlternateContent xmlns:mc="http://schemas.openxmlformats.org/markup-compatibility/2006" xmlns:p14="http://schemas.microsoft.com/office/powerpoint/2010/main">
-    <mc:Choice Requires="p14">
-      <p:transition p14:dur="200">
-        <p:fade/>
-      </p:transition>
-    </mc:Choice>
-    <mc:Fallback xmlns="">
-      <p:transition>
-        <p:fade/>
-      </p:transition>
-    </mc:Fallback>
-  </mc:AlternateContent>
-</p:sld>
-</file>
-
-<file path=ppt/slides/slide29.xml><?xml version="1.0" encoding="utf-8"?>
-<p:sld xmlns:a="http://schemas.openxmlformats.org/drawingml/2006/main" xmlns:r="http://schemas.openxmlformats.org/officeDocument/2006/relationships" xmlns:p="http://schemas.openxmlformats.org/presentationml/2006/main">
-  <p:cSld>
-    <p:spTree>
-      <p:nvGrpSpPr>
-        <p:cNvPr id="1" name=""/>
-        <p:cNvGrpSpPr/>
-        <p:nvPr/>
-      </p:nvGrpSpPr>
-      <p:grpSpPr>
-        <a:xfrm>
-          <a:off x="0" y="0"/>
-          <a:ext cx="0" cy="0"/>
-          <a:chOff x="0" y="0"/>
-          <a:chExt cx="0" cy="0"/>
-        </a:xfrm>
-      </p:grpSpPr>
-      <p:sp>
-        <p:nvSpPr>
-          <p:cNvPr id="2" name="제목 1">
-            <a:extLst>
-              <a:ext uri="{FF2B5EF4-FFF2-40B4-BE49-F238E27FC236}">
-                <a16:creationId xmlns:a16="http://schemas.microsoft.com/office/drawing/2014/main" id="{2A04D761-40C9-4AE9-A160-17E93045CBC6}"/>
-              </a:ext>
-            </a:extLst>
-          </p:cNvPr>
-          <p:cNvSpPr>
-            <a:spLocks noGrp="1"/>
-          </p:cNvSpPr>
-          <p:nvPr>
-            <p:ph type="title"/>
-          </p:nvPr>
-        </p:nvSpPr>
-        <p:spPr/>
-        <p:txBody>
-          <a:bodyPr/>
-          <a:lstStyle/>
-          <a:p>
-            <a:r>
-              <a:rPr lang="en-US" altLang="ko-KR" dirty="0" err="1"/>
-              <a:t>PyTorch</a:t>
-            </a:r>
-            <a:r>
-              <a:rPr lang="en-US" altLang="ko-KR" dirty="0"/>
-              <a:t> Tutorial</a:t>
-            </a:r>
-            <a:endParaRPr lang="ko-KR" altLang="en-US" dirty="0"/>
-          </a:p>
-        </p:txBody>
-      </p:sp>
-      <p:sp>
-        <p:nvSpPr>
-          <p:cNvPr id="4" name="슬라이드 번호 개체 틀 3">
-            <a:extLst>
-              <a:ext uri="{FF2B5EF4-FFF2-40B4-BE49-F238E27FC236}">
-                <a16:creationId xmlns:a16="http://schemas.microsoft.com/office/drawing/2014/main" id="{A7C0D252-E3BF-43C6-810F-60ED8921A10E}"/>
-              </a:ext>
-            </a:extLst>
-          </p:cNvPr>
-          <p:cNvSpPr>
-            <a:spLocks noGrp="1"/>
-          </p:cNvSpPr>
-          <p:nvPr>
-            <p:ph type="sldNum" sz="quarter" idx="12"/>
-          </p:nvPr>
-        </p:nvSpPr>
-        <p:spPr/>
-        <p:txBody>
-          <a:bodyPr/>
-          <a:lstStyle/>
-          <a:p>
-            <a:fld id="{5DB5872C-6CDA-4AA3-A73B-F057AF95E802}" type="slidenum">
-              <a:rPr lang="ko-KR" altLang="en-US" smtClean="0"/>
-              <a:pPr/>
-              <a:t>29</a:t>
-            </a:fld>
-            <a:endParaRPr lang="ko-KR" altLang="en-US" dirty="0"/>
-          </a:p>
-        </p:txBody>
-      </p:sp>
-      <p:pic>
-        <p:nvPicPr>
-          <p:cNvPr id="5" name="그림 4">
-            <a:extLst>
-              <a:ext uri="{FF2B5EF4-FFF2-40B4-BE49-F238E27FC236}">
-                <a16:creationId xmlns:a16="http://schemas.microsoft.com/office/drawing/2014/main" id="{57FC83DD-2BCC-4312-BD94-0D6B1945C203}"/>
-              </a:ext>
-            </a:extLst>
-          </p:cNvPr>
-          <p:cNvPicPr>
-            <a:picLocks noChangeAspect="1"/>
-          </p:cNvPicPr>
-          <p:nvPr/>
-        </p:nvPicPr>
-        <p:blipFill>
-          <a:blip r:embed="rId2"/>
-          <a:stretch>
-            <a:fillRect/>
-          </a:stretch>
-        </p:blipFill>
-        <p:spPr>
-          <a:xfrm>
-            <a:off x="985080" y="1157161"/>
-            <a:ext cx="5039593" cy="5700839"/>
-          </a:xfrm>
-          <a:prstGeom prst="rect">
-            <a:avLst/>
-          </a:prstGeom>
-        </p:spPr>
-      </p:pic>
-      <p:pic>
-        <p:nvPicPr>
-          <p:cNvPr id="7" name="그림 6">
-            <a:extLst>
-              <a:ext uri="{FF2B5EF4-FFF2-40B4-BE49-F238E27FC236}">
-                <a16:creationId xmlns:a16="http://schemas.microsoft.com/office/drawing/2014/main" id="{8B00375B-672B-4F90-8708-F8949148FF37}"/>
-              </a:ext>
-            </a:extLst>
-          </p:cNvPr>
-          <p:cNvPicPr>
-            <a:picLocks noChangeAspect="1"/>
-          </p:cNvPicPr>
-          <p:nvPr/>
-        </p:nvPicPr>
-        <p:blipFill>
-          <a:blip r:embed="rId3"/>
-          <a:stretch>
-            <a:fillRect/>
-          </a:stretch>
-        </p:blipFill>
-        <p:spPr>
-          <a:xfrm>
-            <a:off x="7066028" y="1707418"/>
-            <a:ext cx="4283467" cy="5092821"/>
-          </a:xfrm>
-          <a:prstGeom prst="rect">
-            <a:avLst/>
-          </a:prstGeom>
-        </p:spPr>
-      </p:pic>
-    </p:spTree>
-    <p:extLst>
-      <p:ext uri="{BB962C8B-B14F-4D97-AF65-F5344CB8AC3E}">
-        <p14:creationId xmlns:p14="http://schemas.microsoft.com/office/powerpoint/2010/main" val="3642455643"/>
       </p:ext>
     </p:extLst>
   </p:cSld>
@@ -9478,6 +9421,471 @@
           </a:p>
         </p:txBody>
       </p:sp>
+      <p:pic>
+        <p:nvPicPr>
+          <p:cNvPr id="5" name="그림 4">
+            <a:extLst>
+              <a:ext uri="{FF2B5EF4-FFF2-40B4-BE49-F238E27FC236}">
+                <a16:creationId xmlns:a16="http://schemas.microsoft.com/office/drawing/2014/main" id="{616BCD14-43DB-4DCA-8EA2-EA8A20CAE7EC}"/>
+              </a:ext>
+            </a:extLst>
+          </p:cNvPr>
+          <p:cNvPicPr>
+            <a:picLocks noChangeAspect="1"/>
+          </p:cNvPicPr>
+          <p:nvPr/>
+        </p:nvPicPr>
+        <p:blipFill>
+          <a:blip r:embed="rId2"/>
+          <a:stretch>
+            <a:fillRect/>
+          </a:stretch>
+        </p:blipFill>
+        <p:spPr>
+          <a:xfrm>
+            <a:off x="784926" y="1134440"/>
+            <a:ext cx="3641417" cy="5602180"/>
+          </a:xfrm>
+          <a:prstGeom prst="rect">
+            <a:avLst/>
+          </a:prstGeom>
+        </p:spPr>
+      </p:pic>
+      <p:pic>
+        <p:nvPicPr>
+          <p:cNvPr id="7" name="그림 6">
+            <a:extLst>
+              <a:ext uri="{FF2B5EF4-FFF2-40B4-BE49-F238E27FC236}">
+                <a16:creationId xmlns:a16="http://schemas.microsoft.com/office/drawing/2014/main" id="{33BDBD26-620E-4A70-8354-86C8D140CA09}"/>
+              </a:ext>
+            </a:extLst>
+          </p:cNvPr>
+          <p:cNvPicPr>
+            <a:picLocks noChangeAspect="1"/>
+          </p:cNvPicPr>
+          <p:nvPr/>
+        </p:nvPicPr>
+        <p:blipFill>
+          <a:blip r:embed="rId3"/>
+          <a:stretch>
+            <a:fillRect/>
+          </a:stretch>
+        </p:blipFill>
+        <p:spPr>
+          <a:xfrm>
+            <a:off x="4758116" y="2761867"/>
+            <a:ext cx="7212258" cy="1710851"/>
+          </a:xfrm>
+          <a:prstGeom prst="rect">
+            <a:avLst/>
+          </a:prstGeom>
+        </p:spPr>
+      </p:pic>
+    </p:spTree>
+    <p:extLst>
+      <p:ext uri="{BB962C8B-B14F-4D97-AF65-F5344CB8AC3E}">
+        <p14:creationId xmlns:p14="http://schemas.microsoft.com/office/powerpoint/2010/main" val="3830586054"/>
+      </p:ext>
+    </p:extLst>
+  </p:cSld>
+  <p:clrMapOvr>
+    <a:masterClrMapping/>
+  </p:clrMapOvr>
+  <mc:AlternateContent xmlns:mc="http://schemas.openxmlformats.org/markup-compatibility/2006" xmlns:p14="http://schemas.microsoft.com/office/powerpoint/2010/main">
+    <mc:Choice Requires="p14">
+      <p:transition p14:dur="200">
+        <p:fade/>
+      </p:transition>
+    </mc:Choice>
+    <mc:Fallback xmlns="">
+      <p:transition>
+        <p:fade/>
+      </p:transition>
+    </mc:Fallback>
+  </mc:AlternateContent>
+</p:sld>
+</file>
+
+<file path=ppt/slides/slide31.xml><?xml version="1.0" encoding="utf-8"?>
+<p:sld xmlns:a="http://schemas.openxmlformats.org/drawingml/2006/main" xmlns:r="http://schemas.openxmlformats.org/officeDocument/2006/relationships" xmlns:p="http://schemas.openxmlformats.org/presentationml/2006/main">
+  <p:cSld>
+    <p:spTree>
+      <p:nvGrpSpPr>
+        <p:cNvPr id="1" name=""/>
+        <p:cNvGrpSpPr/>
+        <p:nvPr/>
+      </p:nvGrpSpPr>
+      <p:grpSpPr>
+        <a:xfrm>
+          <a:off x="0" y="0"/>
+          <a:ext cx="0" cy="0"/>
+          <a:chOff x="0" y="0"/>
+          <a:chExt cx="0" cy="0"/>
+        </a:xfrm>
+      </p:grpSpPr>
+      <p:sp>
+        <p:nvSpPr>
+          <p:cNvPr id="2" name="제목 1">
+            <a:extLst>
+              <a:ext uri="{FF2B5EF4-FFF2-40B4-BE49-F238E27FC236}">
+                <a16:creationId xmlns:a16="http://schemas.microsoft.com/office/drawing/2014/main" id="{2A04D761-40C9-4AE9-A160-17E93045CBC6}"/>
+              </a:ext>
+            </a:extLst>
+          </p:cNvPr>
+          <p:cNvSpPr>
+            <a:spLocks noGrp="1"/>
+          </p:cNvSpPr>
+          <p:nvPr>
+            <p:ph type="title"/>
+          </p:nvPr>
+        </p:nvSpPr>
+        <p:spPr/>
+        <p:txBody>
+          <a:bodyPr/>
+          <a:lstStyle/>
+          <a:p>
+            <a:r>
+              <a:rPr lang="en-US" altLang="ko-KR" dirty="0" err="1"/>
+              <a:t>PyTorch</a:t>
+            </a:r>
+            <a:r>
+              <a:rPr lang="en-US" altLang="ko-KR" dirty="0"/>
+              <a:t> Tutorial</a:t>
+            </a:r>
+            <a:endParaRPr lang="ko-KR" altLang="en-US" dirty="0"/>
+          </a:p>
+        </p:txBody>
+      </p:sp>
+      <p:sp>
+        <p:nvSpPr>
+          <p:cNvPr id="4" name="슬라이드 번호 개체 틀 3">
+            <a:extLst>
+              <a:ext uri="{FF2B5EF4-FFF2-40B4-BE49-F238E27FC236}">
+                <a16:creationId xmlns:a16="http://schemas.microsoft.com/office/drawing/2014/main" id="{A7C0D252-E3BF-43C6-810F-60ED8921A10E}"/>
+              </a:ext>
+            </a:extLst>
+          </p:cNvPr>
+          <p:cNvSpPr>
+            <a:spLocks noGrp="1"/>
+          </p:cNvSpPr>
+          <p:nvPr>
+            <p:ph type="sldNum" sz="quarter" idx="12"/>
+          </p:nvPr>
+        </p:nvSpPr>
+        <p:spPr/>
+        <p:txBody>
+          <a:bodyPr/>
+          <a:lstStyle/>
+          <a:p>
+            <a:fld id="{5DB5872C-6CDA-4AA3-A73B-F057AF95E802}" type="slidenum">
+              <a:rPr lang="ko-KR" altLang="en-US" smtClean="0"/>
+              <a:pPr/>
+              <a:t>31</a:t>
+            </a:fld>
+            <a:endParaRPr lang="ko-KR" altLang="en-US" dirty="0"/>
+          </a:p>
+        </p:txBody>
+      </p:sp>
+      <p:pic>
+        <p:nvPicPr>
+          <p:cNvPr id="5" name="그림 4">
+            <a:extLst>
+              <a:ext uri="{FF2B5EF4-FFF2-40B4-BE49-F238E27FC236}">
+                <a16:creationId xmlns:a16="http://schemas.microsoft.com/office/drawing/2014/main" id="{57FC83DD-2BCC-4312-BD94-0D6B1945C203}"/>
+              </a:ext>
+            </a:extLst>
+          </p:cNvPr>
+          <p:cNvPicPr>
+            <a:picLocks noChangeAspect="1"/>
+          </p:cNvPicPr>
+          <p:nvPr/>
+        </p:nvPicPr>
+        <p:blipFill>
+          <a:blip r:embed="rId2"/>
+          <a:stretch>
+            <a:fillRect/>
+          </a:stretch>
+        </p:blipFill>
+        <p:spPr>
+          <a:xfrm>
+            <a:off x="985080" y="1157161"/>
+            <a:ext cx="5039593" cy="5700839"/>
+          </a:xfrm>
+          <a:prstGeom prst="rect">
+            <a:avLst/>
+          </a:prstGeom>
+        </p:spPr>
+      </p:pic>
+      <p:pic>
+        <p:nvPicPr>
+          <p:cNvPr id="7" name="그림 6">
+            <a:extLst>
+              <a:ext uri="{FF2B5EF4-FFF2-40B4-BE49-F238E27FC236}">
+                <a16:creationId xmlns:a16="http://schemas.microsoft.com/office/drawing/2014/main" id="{8B00375B-672B-4F90-8708-F8949148FF37}"/>
+              </a:ext>
+            </a:extLst>
+          </p:cNvPr>
+          <p:cNvPicPr>
+            <a:picLocks noChangeAspect="1"/>
+          </p:cNvPicPr>
+          <p:nvPr/>
+        </p:nvPicPr>
+        <p:blipFill>
+          <a:blip r:embed="rId3"/>
+          <a:stretch>
+            <a:fillRect/>
+          </a:stretch>
+        </p:blipFill>
+        <p:spPr>
+          <a:xfrm>
+            <a:off x="7066028" y="1707418"/>
+            <a:ext cx="4283467" cy="5092821"/>
+          </a:xfrm>
+          <a:prstGeom prst="rect">
+            <a:avLst/>
+          </a:prstGeom>
+        </p:spPr>
+      </p:pic>
+    </p:spTree>
+    <p:extLst>
+      <p:ext uri="{BB962C8B-B14F-4D97-AF65-F5344CB8AC3E}">
+        <p14:creationId xmlns:p14="http://schemas.microsoft.com/office/powerpoint/2010/main" val="3642455643"/>
+      </p:ext>
+    </p:extLst>
+  </p:cSld>
+  <p:clrMapOvr>
+    <a:masterClrMapping/>
+  </p:clrMapOvr>
+  <mc:AlternateContent xmlns:mc="http://schemas.openxmlformats.org/markup-compatibility/2006" xmlns:p14="http://schemas.microsoft.com/office/powerpoint/2010/main">
+    <mc:Choice Requires="p14">
+      <p:transition p14:dur="200">
+        <p:fade/>
+      </p:transition>
+    </mc:Choice>
+    <mc:Fallback xmlns="">
+      <p:transition>
+        <p:fade/>
+      </p:transition>
+    </mc:Fallback>
+  </mc:AlternateContent>
+</p:sld>
+</file>
+
+<file path=ppt/slides/slide32.xml><?xml version="1.0" encoding="utf-8"?>
+<p:sld xmlns:a="http://schemas.openxmlformats.org/drawingml/2006/main" xmlns:r="http://schemas.openxmlformats.org/officeDocument/2006/relationships" xmlns:p="http://schemas.openxmlformats.org/presentationml/2006/main">
+  <p:cSld>
+    <p:spTree>
+      <p:nvGrpSpPr>
+        <p:cNvPr id="1" name=""/>
+        <p:cNvGrpSpPr/>
+        <p:nvPr/>
+      </p:nvGrpSpPr>
+      <p:grpSpPr>
+        <a:xfrm>
+          <a:off x="0" y="0"/>
+          <a:ext cx="0" cy="0"/>
+          <a:chOff x="0" y="0"/>
+          <a:chExt cx="0" cy="0"/>
+        </a:xfrm>
+      </p:grpSpPr>
+      <p:sp>
+        <p:nvSpPr>
+          <p:cNvPr id="2" name="제목 1">
+            <a:extLst>
+              <a:ext uri="{FF2B5EF4-FFF2-40B4-BE49-F238E27FC236}">
+                <a16:creationId xmlns:a16="http://schemas.microsoft.com/office/drawing/2014/main" id="{2A04D761-40C9-4AE9-A160-17E93045CBC6}"/>
+              </a:ext>
+            </a:extLst>
+          </p:cNvPr>
+          <p:cNvSpPr>
+            <a:spLocks noGrp="1"/>
+          </p:cNvSpPr>
+          <p:nvPr>
+            <p:ph type="title"/>
+          </p:nvPr>
+        </p:nvSpPr>
+        <p:spPr/>
+        <p:txBody>
+          <a:bodyPr/>
+          <a:lstStyle/>
+          <a:p>
+            <a:r>
+              <a:rPr lang="en-US" altLang="ko-KR" dirty="0" err="1"/>
+              <a:t>PyTorch</a:t>
+            </a:r>
+            <a:r>
+              <a:rPr lang="en-US" altLang="ko-KR" dirty="0"/>
+              <a:t> Tutorial</a:t>
+            </a:r>
+            <a:endParaRPr lang="ko-KR" altLang="en-US" dirty="0"/>
+          </a:p>
+        </p:txBody>
+      </p:sp>
+      <p:sp>
+        <p:nvSpPr>
+          <p:cNvPr id="4" name="슬라이드 번호 개체 틀 3">
+            <a:extLst>
+              <a:ext uri="{FF2B5EF4-FFF2-40B4-BE49-F238E27FC236}">
+                <a16:creationId xmlns:a16="http://schemas.microsoft.com/office/drawing/2014/main" id="{A7C0D252-E3BF-43C6-810F-60ED8921A10E}"/>
+              </a:ext>
+            </a:extLst>
+          </p:cNvPr>
+          <p:cNvSpPr>
+            <a:spLocks noGrp="1"/>
+          </p:cNvSpPr>
+          <p:nvPr>
+            <p:ph type="sldNum" sz="quarter" idx="12"/>
+          </p:nvPr>
+        </p:nvSpPr>
+        <p:spPr/>
+        <p:txBody>
+          <a:bodyPr/>
+          <a:lstStyle/>
+          <a:p>
+            <a:fld id="{5DB5872C-6CDA-4AA3-A73B-F057AF95E802}" type="slidenum">
+              <a:rPr lang="ko-KR" altLang="en-US" smtClean="0"/>
+              <a:pPr/>
+              <a:t>32</a:t>
+            </a:fld>
+            <a:endParaRPr lang="ko-KR" altLang="en-US" dirty="0"/>
+          </a:p>
+        </p:txBody>
+      </p:sp>
+      <p:pic>
+        <p:nvPicPr>
+          <p:cNvPr id="8" name="그림 7">
+            <a:extLst>
+              <a:ext uri="{FF2B5EF4-FFF2-40B4-BE49-F238E27FC236}">
+                <a16:creationId xmlns:a16="http://schemas.microsoft.com/office/drawing/2014/main" id="{CCB05686-B9B5-474C-880A-4BC9FE0E0A7A}"/>
+              </a:ext>
+            </a:extLst>
+          </p:cNvPr>
+          <p:cNvPicPr>
+            <a:picLocks noChangeAspect="1"/>
+          </p:cNvPicPr>
+          <p:nvPr/>
+        </p:nvPicPr>
+        <p:blipFill>
+          <a:blip r:embed="rId2"/>
+          <a:stretch>
+            <a:fillRect/>
+          </a:stretch>
+        </p:blipFill>
+        <p:spPr>
+          <a:xfrm>
+            <a:off x="1871073" y="2195340"/>
+            <a:ext cx="8449854" cy="2467319"/>
+          </a:xfrm>
+          <a:prstGeom prst="rect">
+            <a:avLst/>
+          </a:prstGeom>
+        </p:spPr>
+      </p:pic>
+    </p:spTree>
+    <p:extLst>
+      <p:ext uri="{BB962C8B-B14F-4D97-AF65-F5344CB8AC3E}">
+        <p14:creationId xmlns:p14="http://schemas.microsoft.com/office/powerpoint/2010/main" val="2931812777"/>
+      </p:ext>
+    </p:extLst>
+  </p:cSld>
+  <p:clrMapOvr>
+    <a:masterClrMapping/>
+  </p:clrMapOvr>
+  <mc:AlternateContent xmlns:mc="http://schemas.openxmlformats.org/markup-compatibility/2006" xmlns:p14="http://schemas.microsoft.com/office/powerpoint/2010/main">
+    <mc:Choice Requires="p14">
+      <p:transition p14:dur="200">
+        <p:fade/>
+      </p:transition>
+    </mc:Choice>
+    <mc:Fallback xmlns="">
+      <p:transition>
+        <p:fade/>
+      </p:transition>
+    </mc:Fallback>
+  </mc:AlternateContent>
+</p:sld>
+</file>
+
+<file path=ppt/slides/slide33.xml><?xml version="1.0" encoding="utf-8"?>
+<p:sld xmlns:a="http://schemas.openxmlformats.org/drawingml/2006/main" xmlns:r="http://schemas.openxmlformats.org/officeDocument/2006/relationships" xmlns:p="http://schemas.openxmlformats.org/presentationml/2006/main">
+  <p:cSld>
+    <p:spTree>
+      <p:nvGrpSpPr>
+        <p:cNvPr id="1" name=""/>
+        <p:cNvGrpSpPr/>
+        <p:nvPr/>
+      </p:nvGrpSpPr>
+      <p:grpSpPr>
+        <a:xfrm>
+          <a:off x="0" y="0"/>
+          <a:ext cx="0" cy="0"/>
+          <a:chOff x="0" y="0"/>
+          <a:chExt cx="0" cy="0"/>
+        </a:xfrm>
+      </p:grpSpPr>
+      <p:sp>
+        <p:nvSpPr>
+          <p:cNvPr id="2" name="제목 1">
+            <a:extLst>
+              <a:ext uri="{FF2B5EF4-FFF2-40B4-BE49-F238E27FC236}">
+                <a16:creationId xmlns:a16="http://schemas.microsoft.com/office/drawing/2014/main" id="{2A04D761-40C9-4AE9-A160-17E93045CBC6}"/>
+              </a:ext>
+            </a:extLst>
+          </p:cNvPr>
+          <p:cNvSpPr>
+            <a:spLocks noGrp="1"/>
+          </p:cNvSpPr>
+          <p:nvPr>
+            <p:ph type="title"/>
+          </p:nvPr>
+        </p:nvSpPr>
+        <p:spPr/>
+        <p:txBody>
+          <a:bodyPr/>
+          <a:lstStyle/>
+          <a:p>
+            <a:r>
+              <a:rPr lang="en-US" altLang="ko-KR" dirty="0" err="1"/>
+              <a:t>PyTorch</a:t>
+            </a:r>
+            <a:r>
+              <a:rPr lang="en-US" altLang="ko-KR" dirty="0"/>
+              <a:t> Tutorial</a:t>
+            </a:r>
+            <a:endParaRPr lang="ko-KR" altLang="en-US" dirty="0"/>
+          </a:p>
+        </p:txBody>
+      </p:sp>
+      <p:sp>
+        <p:nvSpPr>
+          <p:cNvPr id="4" name="슬라이드 번호 개체 틀 3">
+            <a:extLst>
+              <a:ext uri="{FF2B5EF4-FFF2-40B4-BE49-F238E27FC236}">
+                <a16:creationId xmlns:a16="http://schemas.microsoft.com/office/drawing/2014/main" id="{A7C0D252-E3BF-43C6-810F-60ED8921A10E}"/>
+              </a:ext>
+            </a:extLst>
+          </p:cNvPr>
+          <p:cNvSpPr>
+            <a:spLocks noGrp="1"/>
+          </p:cNvSpPr>
+          <p:nvPr>
+            <p:ph type="sldNum" sz="quarter" idx="12"/>
+          </p:nvPr>
+        </p:nvSpPr>
+        <p:spPr/>
+        <p:txBody>
+          <a:bodyPr/>
+          <a:lstStyle/>
+          <a:p>
+            <a:fld id="{5DB5872C-6CDA-4AA3-A73B-F057AF95E802}" type="slidenum">
+              <a:rPr lang="ko-KR" altLang="en-US" smtClean="0"/>
+              <a:pPr/>
+              <a:t>33</a:t>
+            </a:fld>
+            <a:endParaRPr lang="ko-KR" altLang="en-US" dirty="0"/>
+          </a:p>
+        </p:txBody>
+      </p:sp>
       <p:sp>
         <p:nvSpPr>
           <p:cNvPr id="5" name="사각형: 둥근 모서리 4">
@@ -9633,7 +10041,7 @@
 </p:sld>
 </file>
 
-<file path=ppt/slides/slide31.xml><?xml version="1.0" encoding="utf-8"?>
+<file path=ppt/slides/slide34.xml><?xml version="1.0" encoding="utf-8"?>
 <p:sld xmlns:a="http://schemas.openxmlformats.org/drawingml/2006/main" xmlns:r="http://schemas.openxmlformats.org/officeDocument/2006/relationships" xmlns:p="http://schemas.openxmlformats.org/presentationml/2006/main">
   <p:cSld>
     <p:spTree>
@@ -9707,7 +10115,7 @@
             <a:fld id="{5DB5872C-6CDA-4AA3-A73B-F057AF95E802}" type="slidenum">
               <a:rPr lang="ko-KR" altLang="en-US" smtClean="0"/>
               <a:pPr/>
-              <a:t>31</a:t>
+              <a:t>34</a:t>
             </a:fld>
             <a:endParaRPr lang="ko-KR" altLang="en-US" dirty="0"/>
           </a:p>
@@ -9877,7 +10285,7 @@
 </p:sld>
 </file>
 
-<file path=ppt/slides/slide32.xml><?xml version="1.0" encoding="utf-8"?>
+<file path=ppt/slides/slide35.xml><?xml version="1.0" encoding="utf-8"?>
 <p:sld xmlns:a="http://schemas.openxmlformats.org/drawingml/2006/main" xmlns:r="http://schemas.openxmlformats.org/officeDocument/2006/relationships" xmlns:p="http://schemas.openxmlformats.org/presentationml/2006/main">
   <p:cSld>
     <p:spTree>
@@ -9951,7 +10359,7 @@
             <a:fld id="{5DB5872C-6CDA-4AA3-A73B-F057AF95E802}" type="slidenum">
               <a:rPr lang="ko-KR" altLang="en-US" smtClean="0"/>
               <a:pPr/>
-              <a:t>32</a:t>
+              <a:t>35</a:t>
             </a:fld>
             <a:endParaRPr lang="ko-KR" altLang="en-US" dirty="0"/>
           </a:p>
@@ -10079,7 +10487,7 @@
 </p:sld>
 </file>
 
-<file path=ppt/slides/slide33.xml><?xml version="1.0" encoding="utf-8"?>
+<file path=ppt/slides/slide36.xml><?xml version="1.0" encoding="utf-8"?>
 <p:sld xmlns:a="http://schemas.openxmlformats.org/drawingml/2006/main" xmlns:r="http://schemas.openxmlformats.org/officeDocument/2006/relationships" xmlns:p="http://schemas.openxmlformats.org/presentationml/2006/main">
   <p:cSld>
     <p:spTree>
@@ -10153,7 +10561,7 @@
             <a:fld id="{5DB5872C-6CDA-4AA3-A73B-F057AF95E802}" type="slidenum">
               <a:rPr lang="ko-KR" altLang="en-US" smtClean="0"/>
               <a:pPr/>
-              <a:t>33</a:t>
+              <a:t>36</a:t>
             </a:fld>
             <a:endParaRPr lang="ko-KR" altLang="en-US" dirty="0"/>
           </a:p>
@@ -10350,7 +10758,7 @@
 </p:sld>
 </file>
 
-<file path=ppt/slides/slide34.xml><?xml version="1.0" encoding="utf-8"?>
+<file path=ppt/slides/slide37.xml><?xml version="1.0" encoding="utf-8"?>
 <p:sld xmlns:a="http://schemas.openxmlformats.org/drawingml/2006/main" xmlns:r="http://schemas.openxmlformats.org/officeDocument/2006/relationships" xmlns:p="http://schemas.openxmlformats.org/presentationml/2006/main">
   <p:cSld>
     <p:spTree>
@@ -10424,7 +10832,7 @@
             <a:fld id="{5DB5872C-6CDA-4AA3-A73B-F057AF95E802}" type="slidenum">
               <a:rPr lang="ko-KR" altLang="en-US" smtClean="0"/>
               <a:pPr/>
-              <a:t>34</a:t>
+              <a:t>37</a:t>
             </a:fld>
             <a:endParaRPr lang="ko-KR" altLang="en-US" dirty="0"/>
           </a:p>
@@ -10536,7 +10944,7 @@
 </p:sld>
 </file>
 
-<file path=ppt/slides/slide35.xml><?xml version="1.0" encoding="utf-8"?>
+<file path=ppt/slides/slide38.xml><?xml version="1.0" encoding="utf-8"?>
 <p:sld xmlns:a="http://schemas.openxmlformats.org/drawingml/2006/main" xmlns:r="http://schemas.openxmlformats.org/officeDocument/2006/relationships" xmlns:p="http://schemas.openxmlformats.org/presentationml/2006/main">
   <p:cSld>
     <p:spTree>
@@ -10614,7 +11022,7 @@
             <a:fld id="{5DB5872C-6CDA-4AA3-A73B-F057AF95E802}" type="slidenum">
               <a:rPr lang="ko-KR" altLang="en-US" smtClean="0"/>
               <a:pPr/>
-              <a:t>35</a:t>
+              <a:t>38</a:t>
             </a:fld>
             <a:endParaRPr lang="ko-KR" altLang="en-US" dirty="0"/>
           </a:p>
